--- a/slides/pptx/week04.pptx
+++ b/slides/pptx/week04.pptx
@@ -9,6 +9,18 @@
     <p:sldId id="257" r:id="rId3"/>
     <p:sldId id="258" r:id="rId4"/>
     <p:sldId id="259" r:id="rId5"/>
+    <p:sldId id="260" r:id="rId6"/>
+    <p:sldId id="261" r:id="rId7"/>
+    <p:sldId id="262" r:id="rId8"/>
+    <p:sldId id="263" r:id="rId9"/>
+    <p:sldId id="264" r:id="rId10"/>
+    <p:sldId id="265" r:id="rId11"/>
+    <p:sldId id="266" r:id="rId12"/>
+    <p:sldId id="267" r:id="rId13"/>
+    <p:sldId id="268" r:id="rId14"/>
+    <p:sldId id="269" r:id="rId15"/>
+    <p:sldId id="270" r:id="rId16"/>
+    <p:sldId id="271" r:id="rId17"/>
   </p:sldIdLst>
   <p:sldSz cx="12192000" cy="6858000"/>
   <p:notesSz cx="6858000" cy="9144000"/>
@@ -3407,7 +3419,7 @@
             </a:pPr>
             <a:r>
               <a:rPr/>
-              <a:t>Signed</a:t>
+              <a:t>Miss</a:t>
             </a:r>
             <a:r>
               <a:rPr/>
@@ -3415,7 +3427,7 @@
             </a:r>
             <a:r>
               <a:rPr/>
-              <a:t>Distance</a:t>
+              <a:t>Shaders</a:t>
             </a:r>
             <a:r>
               <a:rPr/>
@@ -3423,7 +3435,23 @@
             </a:r>
             <a:r>
               <a:rPr/>
-              <a:t>Functions</a:t>
+              <a:t>and</a:t>
+            </a:r>
+            <a:r>
+              <a:rPr/>
+              <a:t> </a:t>
+            </a:r>
+            <a:r>
+              <a:rPr/>
+              <a:t>Sky</a:t>
+            </a:r>
+            <a:r>
+              <a:rPr/>
+              <a:t> </a:t>
+            </a:r>
+            <a:r>
+              <a:rPr/>
+              <a:t>Models</a:t>
             </a:r>
           </a:p>
         </p:txBody>
@@ -3549,6 +3577,876 @@
             <a:r>
               <a:rPr/>
               <a:t>Fairbanks</a:t>
+            </a:r>
+          </a:p>
+        </p:txBody>
+      </p:sp>
+    </p:spTree>
+  </p:cSld>
+</p:sld>
+</file>
+
+<file path=ppt/slides/slide10.xml><?xml version="1.0" encoding="utf-8"?>
+<p:sld xmlns:a="http://schemas.openxmlformats.org/drawingml/2006/main" xmlns:r="http://schemas.openxmlformats.org/officeDocument/2006/relationships" xmlns:p="http://schemas.openxmlformats.org/presentationml/2006/main">
+  <p:cSld>
+    <p:spTree>
+      <p:nvGrpSpPr>
+        <p:cNvPr id="1" name=""/>
+        <p:cNvGrpSpPr/>
+        <p:nvPr/>
+      </p:nvGrpSpPr>
+      <p:grpSpPr>
+        <a:xfrm>
+          <a:off x="0" y="0"/>
+          <a:ext cx="0" cy="0"/>
+          <a:chOff x="0" y="0"/>
+          <a:chExt cx="0" cy="0"/>
+        </a:xfrm>
+      </p:grpSpPr>
+      <p:sp>
+        <p:nvSpPr>
+          <p:cNvPr id="2" name="Title 1">
+            <a:extLst>
+              <a:ext uri="{FF2B5EF4-FFF2-40B4-BE49-F238E27FC236}">
+                <a16:creationId xmlns:a16="http://schemas.microsoft.com/office/drawing/2014/main" id="{B9171DC7-83DC-4812-B6D6-720FD0903317}"/>
+              </a:ext>
+            </a:extLst>
+          </p:cNvPr>
+          <p:cNvSpPr>
+            <a:spLocks noGrp="1"/>
+          </p:cNvSpPr>
+          <p:nvPr>
+            <p:ph type="title"/>
+          </p:nvPr>
+        </p:nvSpPr>
+        <p:spPr/>
+        <p:txBody>
+          <a:bodyPr/>
+          <a:lstStyle/>
+          <a:p>
+            <a:pPr lvl="0" marL="0" indent="0">
+              <a:buNone/>
+            </a:pPr>
+            <a:r>
+              <a:rPr/>
+              <a:t>Sky</a:t>
+            </a:r>
+            <a:r>
+              <a:rPr/>
+              <a:t> </a:t>
+            </a:r>
+            <a:r>
+              <a:rPr/>
+              <a:t>Model</a:t>
+            </a:r>
+            <a:r>
+              <a:rPr/>
+              <a:t> </a:t>
+            </a:r>
+            <a:r>
+              <a:rPr/>
+              <a:t>Frame</a:t>
+            </a:r>
+            <a:r>
+              <a:rPr/>
+              <a:t> </a:t>
+            </a:r>
+            <a:r>
+              <a:rPr/>
+              <a:t>of</a:t>
+            </a:r>
+            <a:r>
+              <a:rPr/>
+              <a:t> </a:t>
+            </a:r>
+            <a:r>
+              <a:rPr/>
+              <a:t>Reference</a:t>
+            </a:r>
+          </a:p>
+        </p:txBody>
+      </p:sp>
+      <p:pic>
+        <p:nvPicPr>
+          <p:cNvPr descr="images/hosek-wilkie-sunsky.png" id="0" name="Picture 1"/>
+          <p:cNvPicPr>
+            <a:picLocks noGrp="1" noChangeAspect="1"/>
+          </p:cNvPicPr>
+          <p:nvPr/>
+        </p:nvPicPr>
+        <p:blipFill>
+          <a:blip r:embed="rId2"/>
+          <a:stretch>
+            <a:fillRect/>
+          </a:stretch>
+        </p:blipFill>
+        <p:spPr bwMode="auto">
+          <a:xfrm>
+            <a:off x="2108200" y="1816100"/>
+            <a:ext cx="7975600" cy="3835400"/>
+          </a:xfrm>
+          <a:prstGeom prst="rect">
+            <a:avLst/>
+          </a:prstGeom>
+          <a:noFill/>
+          <a:ln w="9525">
+            <a:noFill/>
+            <a:headEnd/>
+            <a:tailEnd/>
+          </a:ln>
+        </p:spPr>
+      </p:pic>
+      <p:sp>
+        <p:nvSpPr>
+          <p:cNvPr id="1" name="TextBox 3"/>
+          <p:cNvSpPr txBox="1"/>
+          <p:nvPr/>
+        </p:nvSpPr>
+        <p:spPr>
+          <a:xfrm>
+            <a:off x="838200" y="5651500"/>
+            <a:ext cx="10515600" cy="508000"/>
+          </a:xfrm>
+          <a:prstGeom prst="rect">
+            <a:avLst/>
+          </a:prstGeom>
+          <a:noFill/>
+        </p:spPr>
+        <p:txBody>
+          <a:bodyPr/>
+          <a:lstStyle/>
+          <a:p>
+            <a:pPr lvl="0" marL="0" indent="0" algn="ctr">
+              <a:buNone/>
+            </a:pPr>
+            <a:r>
+              <a:rPr/>
+              <a:t>Hosek-Wilkie</a:t>
+            </a:r>
+            <a:r>
+              <a:rPr/>
+              <a:t> </a:t>
+            </a:r>
+            <a:r>
+              <a:rPr/>
+              <a:t>Sun</a:t>
+            </a:r>
+            <a:r>
+              <a:rPr/>
+              <a:t> </a:t>
+            </a:r>
+            <a:r>
+              <a:rPr/>
+              <a:t>Sky</a:t>
+            </a:r>
+          </a:p>
+        </p:txBody>
+      </p:sp>
+    </p:spTree>
+  </p:cSld>
+</p:sld>
+</file>
+
+<file path=ppt/slides/slide11.xml><?xml version="1.0" encoding="utf-8"?>
+<p:sld xmlns:a="http://schemas.openxmlformats.org/drawingml/2006/main" xmlns:r="http://schemas.openxmlformats.org/officeDocument/2006/relationships" xmlns:p="http://schemas.openxmlformats.org/presentationml/2006/main">
+  <p:cSld>
+    <p:spTree>
+      <p:nvGrpSpPr>
+        <p:cNvPr id="1" name=""/>
+        <p:cNvGrpSpPr/>
+        <p:nvPr/>
+      </p:nvGrpSpPr>
+      <p:grpSpPr>
+        <a:xfrm>
+          <a:off x="0" y="0"/>
+          <a:ext cx="0" cy="0"/>
+          <a:chOff x="0" y="0"/>
+          <a:chExt cx="0" cy="0"/>
+        </a:xfrm>
+      </p:grpSpPr>
+      <p:sp>
+        <p:nvSpPr>
+          <p:cNvPr id="2" name="Title 1">
+            <a:extLst>
+              <a:ext uri="{FF2B5EF4-FFF2-40B4-BE49-F238E27FC236}">
+                <a16:creationId xmlns:a16="http://schemas.microsoft.com/office/drawing/2014/main" id="{B9171DC7-83DC-4812-B6D6-720FD0903317}"/>
+              </a:ext>
+            </a:extLst>
+          </p:cNvPr>
+          <p:cNvSpPr>
+            <a:spLocks noGrp="1"/>
+          </p:cNvSpPr>
+          <p:nvPr>
+            <p:ph type="title"/>
+          </p:nvPr>
+        </p:nvSpPr>
+        <p:spPr/>
+        <p:txBody>
+          <a:bodyPr/>
+          <a:lstStyle/>
+          <a:p>
+            <a:pPr lvl="0" marL="0" indent="0">
+              <a:buNone/>
+            </a:pPr>
+            <a:r>
+              <a:rPr/>
+              <a:t>Parameters</a:t>
+            </a:r>
+          </a:p>
+        </p:txBody>
+      </p:sp>
+      <mc:AlternateContent xmlns:mc="http://schemas.openxmlformats.org/markup-compatibility/2006">
+        <mc:Choice xmlns:a14="http://schemas.microsoft.com/office/drawing/2010/main" Requires="a14">
+          <p:sp>
+            <p:nvSpPr>
+              <p:cNvPr id="3" name="Content Placeholder 2">
+                <a:extLst>
+                  <a:ext uri="{FF2B5EF4-FFF2-40B4-BE49-F238E27FC236}">
+                    <a16:creationId xmlns:a16="http://schemas.microsoft.com/office/drawing/2014/main" id="{E3951675-2757-4186-87D6-120677EA8D01}"/>
+                  </a:ext>
+                </a:extLst>
+              </p:cNvPr>
+              <p:cNvSpPr>
+                <a:spLocks noGrp="1"/>
+              </p:cNvSpPr>
+              <p:nvPr>
+                <p:ph idx="1"/>
+              </p:nvPr>
+            </p:nvSpPr>
+            <p:spPr/>
+            <p:txBody>
+              <a:bodyPr/>
+              <a:lstStyle/>
+              <a:p>
+                <a:pPr lvl="1"/>
+                <a:r>
+                  <a:rPr/>
+                  <a:t>Turbidity </a:t>
+                </a:r>
+                <a14:m>
+                  <m:oMath xmlns:m="http://schemas.openxmlformats.org/officeDocument/2006/math">
+                    <m:r>
+                      <m:t>T</m:t>
+                    </m:r>
+                  </m:oMath>
+                </a14:m>
+              </a:p>
+              <a:p>
+                <a:pPr lvl="1"/>
+                <a:r>
+                  <a:rPr/>
+                  <a:t>Ground Albedo </a:t>
+                </a:r>
+                <a14:m>
+                  <m:oMath xmlns:m="http://schemas.openxmlformats.org/officeDocument/2006/math">
+                    <m:r>
+                      <m:t>α</m:t>
+                    </m:r>
+                  </m:oMath>
+                </a14:m>
+              </a:p>
+              <a:p>
+                <a:pPr lvl="1"/>
+                <a:r>
+                  <a:rPr/>
+                  <a:t>Sun inclination or declination?</a:t>
+                </a:r>
+              </a:p>
+              <a:p>
+                <a:pPr lvl="1"/>
+                <a:r>
+                  <a:rPr/>
+                  <a:t>Gamma </a:t>
+                </a:r>
+                <a14:m>
+                  <m:oMath xmlns:m="http://schemas.openxmlformats.org/officeDocument/2006/math">
+                    <m:r>
+                      <m:t>γ</m:t>
+                    </m:r>
+                  </m:oMath>
+                </a14:m>
+                <a:r>
+                  <a:rPr/>
+                  <a:t> is measurement from sky position to sun position</a:t>
+                </a:r>
+              </a:p>
+              <a:p>
+                <a:pPr lvl="1"/>
+                <a:r>
+                  <a:rPr/>
+                  <a:t>Think about it: which way is north or west?</a:t>
+                </a:r>
+              </a:p>
+            </p:txBody>
+          </p:sp>
+        </mc:Choice>
+      </mc:AlternateContent>
+    </p:spTree>
+  </p:cSld>
+</p:sld>
+</file>
+
+<file path=ppt/slides/slide12.xml><?xml version="1.0" encoding="utf-8"?>
+<p:sld xmlns:a="http://schemas.openxmlformats.org/drawingml/2006/main" xmlns:r="http://schemas.openxmlformats.org/officeDocument/2006/relationships" xmlns:p="http://schemas.openxmlformats.org/presentationml/2006/main">
+  <p:cSld>
+    <p:spTree>
+      <p:nvGrpSpPr>
+        <p:cNvPr id="1" name=""/>
+        <p:cNvGrpSpPr/>
+        <p:nvPr/>
+      </p:nvGrpSpPr>
+      <p:grpSpPr>
+        <a:xfrm>
+          <a:off x="0" y="0"/>
+          <a:ext cx="0" cy="0"/>
+          <a:chOff x="0" y="0"/>
+          <a:chExt cx="0" cy="0"/>
+        </a:xfrm>
+      </p:grpSpPr>
+      <p:sp>
+        <p:nvSpPr>
+          <p:cNvPr id="2" name="Title 1">
+            <a:extLst>
+              <a:ext uri="{FF2B5EF4-FFF2-40B4-BE49-F238E27FC236}">
+                <a16:creationId xmlns:a16="http://schemas.microsoft.com/office/drawing/2014/main" id="{B9171DC7-83DC-4812-B6D6-720FD0903317}"/>
+              </a:ext>
+            </a:extLst>
+          </p:cNvPr>
+          <p:cNvSpPr>
+            <a:spLocks noGrp="1"/>
+          </p:cNvSpPr>
+          <p:nvPr>
+            <p:ph type="title"/>
+          </p:nvPr>
+        </p:nvSpPr>
+        <p:spPr/>
+        <p:txBody>
+          <a:bodyPr/>
+          <a:lstStyle/>
+          <a:p>
+            <a:pPr lvl="0" marL="0" indent="0">
+              <a:buNone/>
+            </a:pPr>
+            <a:r>
+              <a:rPr/>
+              <a:t>Ground</a:t>
+            </a:r>
+            <a:r>
+              <a:rPr/>
+              <a:t> </a:t>
+            </a:r>
+            <a:r>
+              <a:rPr/>
+              <a:t>Albedo</a:t>
+            </a:r>
+          </a:p>
+        </p:txBody>
+      </p:sp>
+      <p:pic>
+        <p:nvPicPr>
+          <p:cNvPr descr="images/hosek-wilkie-ground-albedo.png" id="0" name="Picture 1"/>
+          <p:cNvPicPr>
+            <a:picLocks noGrp="1" noChangeAspect="1"/>
+          </p:cNvPicPr>
+          <p:nvPr/>
+        </p:nvPicPr>
+        <p:blipFill>
+          <a:blip r:embed="rId2"/>
+          <a:stretch>
+            <a:fillRect/>
+          </a:stretch>
+        </p:blipFill>
+        <p:spPr bwMode="auto">
+          <a:xfrm>
+            <a:off x="4889500" y="1816100"/>
+            <a:ext cx="2400300" cy="3835400"/>
+          </a:xfrm>
+          <a:prstGeom prst="rect">
+            <a:avLst/>
+          </a:prstGeom>
+          <a:noFill/>
+          <a:ln w="9525">
+            <a:noFill/>
+            <a:headEnd/>
+            <a:tailEnd/>
+          </a:ln>
+        </p:spPr>
+      </p:pic>
+      <p:sp>
+        <p:nvSpPr>
+          <p:cNvPr id="1" name="TextBox 3"/>
+          <p:cNvSpPr txBox="1"/>
+          <p:nvPr/>
+        </p:nvSpPr>
+        <p:spPr>
+          <a:xfrm>
+            <a:off x="838200" y="5651500"/>
+            <a:ext cx="10515600" cy="508000"/>
+          </a:xfrm>
+          <a:prstGeom prst="rect">
+            <a:avLst/>
+          </a:prstGeom>
+          <a:noFill/>
+        </p:spPr>
+        <p:txBody>
+          <a:bodyPr/>
+          <a:lstStyle/>
+          <a:p>
+            <a:pPr lvl="0" marL="0" indent="0" algn="ctr">
+              <a:buNone/>
+            </a:pPr>
+            <a:r>
+              <a:rPr/>
+              <a:t>Hosek-Wilkie</a:t>
+            </a:r>
+            <a:r>
+              <a:rPr/>
+              <a:t> </a:t>
+            </a:r>
+            <a:r>
+              <a:rPr/>
+              <a:t>Ground</a:t>
+            </a:r>
+            <a:r>
+              <a:rPr/>
+              <a:t> </a:t>
+            </a:r>
+            <a:r>
+              <a:rPr/>
+              <a:t>Albedo</a:t>
+            </a:r>
+          </a:p>
+        </p:txBody>
+      </p:sp>
+    </p:spTree>
+  </p:cSld>
+</p:sld>
+</file>
+
+<file path=ppt/slides/slide13.xml><?xml version="1.0" encoding="utf-8"?>
+<p:sld xmlns:a="http://schemas.openxmlformats.org/drawingml/2006/main" xmlns:r="http://schemas.openxmlformats.org/officeDocument/2006/relationships" xmlns:p="http://schemas.openxmlformats.org/presentationml/2006/main">
+  <p:cSld>
+    <p:spTree>
+      <p:nvGrpSpPr>
+        <p:cNvPr id="1" name=""/>
+        <p:cNvGrpSpPr/>
+        <p:nvPr/>
+      </p:nvGrpSpPr>
+      <p:grpSpPr>
+        <a:xfrm>
+          <a:off x="0" y="0"/>
+          <a:ext cx="0" cy="0"/>
+          <a:chOff x="0" y="0"/>
+          <a:chExt cx="0" cy="0"/>
+        </a:xfrm>
+      </p:grpSpPr>
+      <p:sp>
+        <p:nvSpPr>
+          <p:cNvPr id="2" name="Title 1">
+            <a:extLst>
+              <a:ext uri="{FF2B5EF4-FFF2-40B4-BE49-F238E27FC236}">
+                <a16:creationId xmlns:a16="http://schemas.microsoft.com/office/drawing/2014/main" id="{B9171DC7-83DC-4812-B6D6-720FD0903317}"/>
+              </a:ext>
+            </a:extLst>
+          </p:cNvPr>
+          <p:cNvSpPr>
+            <a:spLocks noGrp="1"/>
+          </p:cNvSpPr>
+          <p:nvPr>
+            <p:ph type="title"/>
+          </p:nvPr>
+        </p:nvSpPr>
+        <p:spPr/>
+        <p:txBody>
+          <a:bodyPr/>
+          <a:lstStyle/>
+          <a:p>
+            <a:pPr lvl="0" marL="0" indent="0">
+              <a:buNone/>
+            </a:pPr>
+            <a:r>
+              <a:rPr/>
+              <a:t>Turbidity</a:t>
+            </a:r>
+          </a:p>
+        </p:txBody>
+      </p:sp>
+      <p:pic>
+        <p:nvPicPr>
+          <p:cNvPr descr="images/metzgar-turbidity.png" id="0" name="Picture 1"/>
+          <p:cNvPicPr>
+            <a:picLocks noGrp="1" noChangeAspect="1"/>
+          </p:cNvPicPr>
+          <p:nvPr/>
+        </p:nvPicPr>
+        <p:blipFill>
+          <a:blip r:embed="rId2"/>
+          <a:stretch>
+            <a:fillRect/>
+          </a:stretch>
+        </p:blipFill>
+        <p:spPr bwMode="auto">
+          <a:xfrm>
+            <a:off x="4241800" y="1816100"/>
+            <a:ext cx="3708400" cy="3835400"/>
+          </a:xfrm>
+          <a:prstGeom prst="rect">
+            <a:avLst/>
+          </a:prstGeom>
+          <a:noFill/>
+          <a:ln w="9525">
+            <a:noFill/>
+            <a:headEnd/>
+            <a:tailEnd/>
+          </a:ln>
+        </p:spPr>
+      </p:pic>
+      <p:sp>
+        <p:nvSpPr>
+          <p:cNvPr id="1" name="TextBox 3"/>
+          <p:cNvSpPr txBox="1"/>
+          <p:nvPr/>
+        </p:nvSpPr>
+        <p:spPr>
+          <a:xfrm>
+            <a:off x="838200" y="5651500"/>
+            <a:ext cx="10515600" cy="508000"/>
+          </a:xfrm>
+          <a:prstGeom prst="rect">
+            <a:avLst/>
+          </a:prstGeom>
+          <a:noFill/>
+        </p:spPr>
+        <p:txBody>
+          <a:bodyPr/>
+          <a:lstStyle/>
+          <a:p>
+            <a:pPr lvl="0" marL="0" indent="0" algn="ctr">
+              <a:buNone/>
+            </a:pPr>
+            <a:r>
+              <a:rPr/>
+              <a:t>Metzgar</a:t>
+            </a:r>
+            <a:r>
+              <a:rPr/>
+              <a:t> </a:t>
+            </a:r>
+            <a:r>
+              <a:rPr/>
+              <a:t>Turbidity</a:t>
+            </a:r>
+          </a:p>
+        </p:txBody>
+      </p:sp>
+    </p:spTree>
+  </p:cSld>
+</p:sld>
+</file>
+
+<file path=ppt/slides/slide14.xml><?xml version="1.0" encoding="utf-8"?>
+<p:sld xmlns:a="http://schemas.openxmlformats.org/drawingml/2006/main" xmlns:r="http://schemas.openxmlformats.org/officeDocument/2006/relationships" xmlns:p="http://schemas.openxmlformats.org/presentationml/2006/main">
+  <p:cSld>
+    <p:spTree>
+      <p:nvGrpSpPr>
+        <p:cNvPr id="1" name=""/>
+        <p:cNvGrpSpPr/>
+        <p:nvPr/>
+      </p:nvGrpSpPr>
+      <p:grpSpPr>
+        <a:xfrm>
+          <a:off x="0" y="0"/>
+          <a:ext cx="0" cy="0"/>
+          <a:chOff x="0" y="0"/>
+          <a:chExt cx="0" cy="0"/>
+        </a:xfrm>
+      </p:grpSpPr>
+      <p:sp>
+        <p:nvSpPr>
+          <p:cNvPr id="2" name="Title 1">
+            <a:extLst>
+              <a:ext uri="{FF2B5EF4-FFF2-40B4-BE49-F238E27FC236}">
+                <a16:creationId xmlns:a16="http://schemas.microsoft.com/office/drawing/2014/main" id="{B9171DC7-83DC-4812-B6D6-720FD0903317}"/>
+              </a:ext>
+            </a:extLst>
+          </p:cNvPr>
+          <p:cNvSpPr>
+            <a:spLocks noGrp="1"/>
+          </p:cNvSpPr>
+          <p:nvPr>
+            <p:ph type="title"/>
+          </p:nvPr>
+        </p:nvSpPr>
+        <p:spPr/>
+        <p:txBody>
+          <a:bodyPr/>
+          <a:lstStyle/>
+          <a:p>
+            <a:pPr lvl="0" marL="0" indent="0">
+              <a:buNone/>
+            </a:pPr>
+            <a:r>
+              <a:rPr/>
+              <a:t>Astronomical</a:t>
+            </a:r>
+            <a:r>
+              <a:rPr/>
+              <a:t> </a:t>
+            </a:r>
+            <a:r>
+              <a:rPr/>
+              <a:t>Calculations</a:t>
+            </a:r>
+          </a:p>
+        </p:txBody>
+      </p:sp>
+      <p:sp>
+        <p:nvSpPr>
+          <p:cNvPr id="3" name="Content Placeholder 2">
+            <a:extLst>
+              <a:ext uri="{FF2B5EF4-FFF2-40B4-BE49-F238E27FC236}">
+                <a16:creationId xmlns:a16="http://schemas.microsoft.com/office/drawing/2014/main" id="{E3951675-2757-4186-87D6-120677EA8D01}"/>
+              </a:ext>
+            </a:extLst>
+          </p:cNvPr>
+          <p:cNvSpPr>
+            <a:spLocks noGrp="1"/>
+          </p:cNvSpPr>
+          <p:nvPr>
+            <p:ph idx="1"/>
+          </p:nvPr>
+        </p:nvSpPr>
+        <p:spPr/>
+        <p:txBody>
+          <a:bodyPr/>
+          <a:lstStyle/>
+          <a:p>
+            <a:pPr lvl="1"/>
+            <a:r>
+              <a:rPr/>
+              <a:t>Video: </a:t>
+            </a:r>
+            <a:r>
+              <a:rPr>
+                <a:hlinkClick r:id="rId2"/>
+              </a:rPr>
+              <a:t>Carla’s Island (1981)</a:t>
+            </a:r>
+          </a:p>
+          <a:p>
+            <a:pPr lvl="1"/>
+            <a:r>
+              <a:rPr/>
+              <a:t>Video: </a:t>
+            </a:r>
+            <a:r>
+              <a:rPr>
+                <a:hlinkClick r:id="rId3"/>
+              </a:rPr>
+              <a:t>NASA Voyager 2 Flyby (1981)</a:t>
+            </a:r>
+          </a:p>
+          <a:p>
+            <a:pPr lvl="1"/>
+            <a:r>
+              <a:rPr/>
+              <a:t>Use astronomical calculations to determine animation parameters</a:t>
+            </a:r>
+          </a:p>
+        </p:txBody>
+      </p:sp>
+    </p:spTree>
+  </p:cSld>
+</p:sld>
+</file>
+
+<file path=ppt/slides/slide15.xml><?xml version="1.0" encoding="utf-8"?>
+<p:sld xmlns:a="http://schemas.openxmlformats.org/drawingml/2006/main" xmlns:r="http://schemas.openxmlformats.org/officeDocument/2006/relationships" xmlns:p="http://schemas.openxmlformats.org/presentationml/2006/main">
+  <p:cSld>
+    <p:spTree>
+      <p:nvGrpSpPr>
+        <p:cNvPr id="1" name=""/>
+        <p:cNvGrpSpPr/>
+        <p:nvPr/>
+      </p:nvGrpSpPr>
+      <p:grpSpPr>
+        <a:xfrm>
+          <a:off x="0" y="0"/>
+          <a:ext cx="0" cy="0"/>
+          <a:chOff x="0" y="0"/>
+          <a:chExt cx="0" cy="0"/>
+        </a:xfrm>
+      </p:grpSpPr>
+      <p:sp>
+        <p:nvSpPr>
+          <p:cNvPr id="2" name="Title 1">
+            <a:extLst>
+              <a:ext uri="{FF2B5EF4-FFF2-40B4-BE49-F238E27FC236}">
+                <a16:creationId xmlns:a16="http://schemas.microsoft.com/office/drawing/2014/main" id="{B9171DC7-83DC-4812-B6D6-720FD0903317}"/>
+              </a:ext>
+            </a:extLst>
+          </p:cNvPr>
+          <p:cNvSpPr>
+            <a:spLocks noGrp="1"/>
+          </p:cNvSpPr>
+          <p:nvPr>
+            <p:ph type="title"/>
+          </p:nvPr>
+        </p:nvSpPr>
+        <p:spPr/>
+        <p:txBody>
+          <a:bodyPr/>
+          <a:lstStyle/>
+          <a:p>
+            <a:pPr lvl="0" marL="0" indent="0">
+              <a:buNone/>
+            </a:pPr>
+            <a:r>
+              <a:rPr/>
+              <a:t>Implementation</a:t>
+            </a:r>
+          </a:p>
+        </p:txBody>
+      </p:sp>
+      <p:sp>
+        <p:nvSpPr>
+          <p:cNvPr id="3" name="Content Placeholder 2">
+            <a:extLst>
+              <a:ext uri="{FF2B5EF4-FFF2-40B4-BE49-F238E27FC236}">
+                <a16:creationId xmlns:a16="http://schemas.microsoft.com/office/drawing/2014/main" id="{E3951675-2757-4186-87D6-120677EA8D01}"/>
+              </a:ext>
+            </a:extLst>
+          </p:cNvPr>
+          <p:cNvSpPr>
+            <a:spLocks noGrp="1"/>
+          </p:cNvSpPr>
+          <p:nvPr>
+            <p:ph idx="1"/>
+          </p:nvPr>
+        </p:nvSpPr>
+        <p:spPr/>
+        <p:txBody>
+          <a:bodyPr/>
+          <a:lstStyle/>
+          <a:p>
+            <a:pPr lvl="1"/>
+            <a:r>
+              <a:rPr/>
+              <a:t>Example 6</a:t>
+            </a:r>
+          </a:p>
+        </p:txBody>
+      </p:sp>
+    </p:spTree>
+  </p:cSld>
+</p:sld>
+</file>
+
+<file path=ppt/slides/slide16.xml><?xml version="1.0" encoding="utf-8"?>
+<p:sld xmlns:a="http://schemas.openxmlformats.org/drawingml/2006/main" xmlns:r="http://schemas.openxmlformats.org/officeDocument/2006/relationships" xmlns:p="http://schemas.openxmlformats.org/presentationml/2006/main">
+  <p:cSld>
+    <p:spTree>
+      <p:nvGrpSpPr>
+        <p:cNvPr id="1" name=""/>
+        <p:cNvGrpSpPr/>
+        <p:nvPr/>
+      </p:nvGrpSpPr>
+      <p:grpSpPr>
+        <a:xfrm>
+          <a:off x="0" y="0"/>
+          <a:ext cx="0" cy="0"/>
+          <a:chOff x="0" y="0"/>
+          <a:chExt cx="0" cy="0"/>
+        </a:xfrm>
+      </p:grpSpPr>
+      <p:sp>
+        <p:nvSpPr>
+          <p:cNvPr id="2" name="Title 1">
+            <a:extLst>
+              <a:ext uri="{FF2B5EF4-FFF2-40B4-BE49-F238E27FC236}">
+                <a16:creationId xmlns:a16="http://schemas.microsoft.com/office/drawing/2014/main" id="{B9171DC7-83DC-4812-B6D6-720FD0903317}"/>
+              </a:ext>
+            </a:extLst>
+          </p:cNvPr>
+          <p:cNvSpPr>
+            <a:spLocks noGrp="1"/>
+          </p:cNvSpPr>
+          <p:nvPr>
+            <p:ph type="title"/>
+          </p:nvPr>
+        </p:nvSpPr>
+        <p:spPr/>
+        <p:txBody>
+          <a:bodyPr/>
+          <a:lstStyle/>
+          <a:p>
+            <a:pPr lvl="0" marL="0" indent="0">
+              <a:buNone/>
+            </a:pPr>
+            <a:r>
+              <a:rPr/>
+              <a:t>Hybrid</a:t>
+            </a:r>
+            <a:r>
+              <a:rPr/>
+              <a:t> </a:t>
+            </a:r>
+            <a:r>
+              <a:rPr/>
+              <a:t>Topics</a:t>
+            </a:r>
+            <a:r>
+              <a:rPr/>
+              <a:t> </a:t>
+            </a:r>
+            <a:r>
+              <a:rPr/>
+              <a:t>and</a:t>
+            </a:r>
+            <a:r>
+              <a:rPr/>
+              <a:t> </a:t>
+            </a:r>
+            <a:r>
+              <a:rPr/>
+              <a:t>Activity</a:t>
+            </a:r>
+            <a:r>
+              <a:rPr/>
+              <a:t> </a:t>
+            </a:r>
+            <a:r>
+              <a:rPr/>
+              <a:t>Worksheet</a:t>
+            </a:r>
+          </a:p>
+        </p:txBody>
+      </p:sp>
+      <p:sp>
+        <p:nvSpPr>
+          <p:cNvPr id="3" name="Content Placeholder 2">
+            <a:extLst>
+              <a:ext uri="{FF2B5EF4-FFF2-40B4-BE49-F238E27FC236}">
+                <a16:creationId xmlns:a16="http://schemas.microsoft.com/office/drawing/2014/main" id="{E3951675-2757-4186-87D6-120677EA8D01}"/>
+              </a:ext>
+            </a:extLst>
+          </p:cNvPr>
+          <p:cNvSpPr>
+            <a:spLocks noGrp="1"/>
+          </p:cNvSpPr>
+          <p:nvPr>
+            <p:ph idx="1"/>
+          </p:nvPr>
+        </p:nvSpPr>
+        <p:spPr/>
+        <p:txBody>
+          <a:bodyPr/>
+          <a:lstStyle/>
+          <a:p>
+            <a:pPr lvl="1"/>
+            <a:r>
+              <a:rPr/>
+              <a:t>Any Hit Shaders and Shadows</a:t>
             </a:r>
           </a:p>
         </p:txBody>
@@ -3580,7 +4478,7 @@
           <p:cNvPr id="2" name="Title 1">
             <a:extLst>
               <a:ext uri="{FF2B5EF4-FFF2-40B4-BE49-F238E27FC236}">
-                <a16:creationId xmlns:a16="http://schemas.microsoft.com/office/drawing/2014/main" id="{A961E8F3-2071-45E9-B9B2-2CC1494E6117}"/>
+                <a16:creationId xmlns:a16="http://schemas.microsoft.com/office/drawing/2014/main" id="{B9171DC7-83DC-4812-B6D6-720FD0903317}"/>
               </a:ext>
             </a:extLst>
           </p:cNvPr>
@@ -3591,12 +4489,7 @@
             <p:ph type="title"/>
           </p:nvPr>
         </p:nvSpPr>
-        <p:spPr>
-          <a:xfrm>
-            <a:off x="831850" y="1709738"/>
-            <a:ext cx="10515600" cy="2852737"/>
-          </a:xfrm>
-        </p:spPr>
+        <p:spPr/>
         <p:txBody>
           <a:bodyPr/>
           <a:lstStyle/>
@@ -3606,7 +4499,7 @@
             </a:pPr>
             <a:r>
               <a:rPr/>
-              <a:t>Signed</a:t>
+              <a:t>Project</a:t>
             </a:r>
             <a:r>
               <a:rPr/>
@@ -3614,15 +4507,64 @@
             </a:r>
             <a:r>
               <a:rPr/>
-              <a:t>Distance</a:t>
-            </a:r>
-            <a:r>
-              <a:rPr/>
-              <a:t> </a:t>
-            </a:r>
-            <a:r>
-              <a:rPr/>
-              <a:t>Functions</a:t>
+              <a:t>Pitch</a:t>
+            </a:r>
+          </a:p>
+        </p:txBody>
+      </p:sp>
+      <p:sp>
+        <p:nvSpPr>
+          <p:cNvPr id="3" name="Content Placeholder 2">
+            <a:extLst>
+              <a:ext uri="{FF2B5EF4-FFF2-40B4-BE49-F238E27FC236}">
+                <a16:creationId xmlns:a16="http://schemas.microsoft.com/office/drawing/2014/main" id="{E3951675-2757-4186-87D6-120677EA8D01}"/>
+              </a:ext>
+            </a:extLst>
+          </p:cNvPr>
+          <p:cNvSpPr>
+            <a:spLocks noGrp="1"/>
+          </p:cNvSpPr>
+          <p:nvPr>
+            <p:ph idx="1"/>
+          </p:nvPr>
+        </p:nvSpPr>
+        <p:spPr/>
+        <p:txBody>
+          <a:bodyPr/>
+          <a:lstStyle/>
+          <a:p>
+            <a:pPr lvl="1"/>
+            <a:r>
+              <a:rPr/>
+              <a:t>Exciting Ideas</a:t>
+            </a:r>
+          </a:p>
+          <a:p>
+            <a:pPr lvl="1"/>
+            <a:r>
+              <a:rPr/>
+              <a:t>Realtime Ray Tracing</a:t>
+            </a:r>
+          </a:p>
+          <a:p>
+            <a:pPr lvl="1"/>
+            <a:r>
+              <a:rPr/>
+              <a:t>Virtual Reality Experiences</a:t>
+            </a:r>
+          </a:p>
+          <a:p>
+            <a:pPr lvl="1"/>
+            <a:r>
+              <a:rPr/>
+              <a:t>Comparing Renderer Results</a:t>
+            </a:r>
+          </a:p>
+          <a:p>
+            <a:pPr lvl="1"/>
+            <a:r>
+              <a:rPr/>
+              <a:t>Applying Machine Learning to CG</a:t>
             </a:r>
           </a:p>
         </p:txBody>
@@ -3675,7 +4617,39 @@
             </a:pPr>
             <a:r>
               <a:rPr/>
-              <a:t>Overview</a:t>
+              <a:t>Miss</a:t>
+            </a:r>
+            <a:r>
+              <a:rPr/>
+              <a:t> </a:t>
+            </a:r>
+            <a:r>
+              <a:rPr/>
+              <a:t>Shaders</a:t>
+            </a:r>
+            <a:r>
+              <a:rPr/>
+              <a:t> </a:t>
+            </a:r>
+            <a:r>
+              <a:rPr/>
+              <a:t>and</a:t>
+            </a:r>
+            <a:r>
+              <a:rPr/>
+              <a:t> </a:t>
+            </a:r>
+            <a:r>
+              <a:rPr/>
+              <a:t>Sky</a:t>
+            </a:r>
+            <a:r>
+              <a:rPr/>
+              <a:t> </a:t>
+            </a:r>
+            <a:r>
+              <a:rPr/>
+              <a:t>Models</a:t>
             </a:r>
           </a:p>
         </p:txBody>
@@ -3704,14 +4678,28 @@
             <a:pPr lvl="1"/>
             <a:r>
               <a:rPr/>
-              <a:t>Item 1</a:t>
+              <a:t>Ray Tracing Pipeline</a:t>
             </a:r>
           </a:p>
           <a:p>
             <a:pPr lvl="1"/>
             <a:r>
               <a:rPr/>
-              <a:t>Item 2</a:t>
+              <a:t>Miss Shaders</a:t>
+            </a:r>
+          </a:p>
+          <a:p>
+            <a:pPr lvl="1"/>
+            <a:r>
+              <a:rPr/>
+              <a:t>Sky Models</a:t>
+            </a:r>
+          </a:p>
+          <a:p>
+            <a:pPr lvl="1"/>
+            <a:r>
+              <a:rPr/>
+              <a:t>Astronomical Calculations</a:t>
             </a:r>
           </a:p>
         </p:txBody>
@@ -3764,7 +4752,7 @@
             </a:pPr>
             <a:r>
               <a:rPr/>
-              <a:t>Hybrid</a:t>
+              <a:t>Ray</a:t>
             </a:r>
             <a:r>
               <a:rPr/>
@@ -3772,7 +4760,7 @@
             </a:r>
             <a:r>
               <a:rPr/>
-              <a:t>Topics</a:t>
+              <a:t>Tracing</a:t>
             </a:r>
             <a:r>
               <a:rPr/>
@@ -3780,7 +4768,124 @@
             </a:r>
             <a:r>
               <a:rPr/>
-              <a:t>and</a:t>
+              <a:t>Pipeline</a:t>
+            </a:r>
+          </a:p>
+        </p:txBody>
+      </p:sp>
+      <p:sp>
+        <p:nvSpPr>
+          <p:cNvPr id="3" name="Content Placeholder 2">
+            <a:extLst>
+              <a:ext uri="{FF2B5EF4-FFF2-40B4-BE49-F238E27FC236}">
+                <a16:creationId xmlns:a16="http://schemas.microsoft.com/office/drawing/2014/main" id="{E3951675-2757-4186-87D6-120677EA8D01}"/>
+              </a:ext>
+            </a:extLst>
+          </p:cNvPr>
+          <p:cNvSpPr>
+            <a:spLocks noGrp="1"/>
+          </p:cNvSpPr>
+          <p:nvPr>
+            <p:ph idx="1"/>
+          </p:nvPr>
+        </p:nvSpPr>
+        <p:spPr/>
+        <p:txBody>
+          <a:bodyPr/>
+          <a:lstStyle/>
+          <a:p>
+            <a:pPr lvl="1"/>
+            <a:r>
+              <a:rPr/>
+              <a:t>Ray Generation</a:t>
+            </a:r>
+          </a:p>
+          <a:p>
+            <a:pPr lvl="1"/>
+            <a:r>
+              <a:rPr/>
+              <a:t>Ray Traversal Acceleration Structure</a:t>
+            </a:r>
+          </a:p>
+          <a:p>
+            <a:pPr lvl="1"/>
+            <a:r>
+              <a:rPr/>
+              <a:t>Intersection Shader</a:t>
+            </a:r>
+          </a:p>
+          <a:p>
+            <a:pPr lvl="1"/>
+            <a:r>
+              <a:rPr/>
+              <a:t>Any Hit Shader</a:t>
+            </a:r>
+          </a:p>
+          <a:p>
+            <a:pPr lvl="1"/>
+            <a:r>
+              <a:rPr/>
+              <a:t>Miss Shader</a:t>
+            </a:r>
+          </a:p>
+          <a:p>
+            <a:pPr lvl="1"/>
+            <a:r>
+              <a:rPr/>
+              <a:t>Closest Hit Shader</a:t>
+            </a:r>
+          </a:p>
+        </p:txBody>
+      </p:sp>
+    </p:spTree>
+  </p:cSld>
+</p:sld>
+</file>
+
+<file path=ppt/slides/slide5.xml><?xml version="1.0" encoding="utf-8"?>
+<p:sld xmlns:a="http://schemas.openxmlformats.org/drawingml/2006/main" xmlns:r="http://schemas.openxmlformats.org/officeDocument/2006/relationships" xmlns:p="http://schemas.openxmlformats.org/presentationml/2006/main">
+  <p:cSld>
+    <p:spTree>
+      <p:nvGrpSpPr>
+        <p:cNvPr id="1" name=""/>
+        <p:cNvGrpSpPr/>
+        <p:nvPr/>
+      </p:nvGrpSpPr>
+      <p:grpSpPr>
+        <a:xfrm>
+          <a:off x="0" y="0"/>
+          <a:ext cx="0" cy="0"/>
+          <a:chOff x="0" y="0"/>
+          <a:chExt cx="0" cy="0"/>
+        </a:xfrm>
+      </p:grpSpPr>
+      <p:sp>
+        <p:nvSpPr>
+          <p:cNvPr id="2" name="Title 1">
+            <a:extLst>
+              <a:ext uri="{FF2B5EF4-FFF2-40B4-BE49-F238E27FC236}">
+                <a16:creationId xmlns:a16="http://schemas.microsoft.com/office/drawing/2014/main" id="{B9171DC7-83DC-4812-B6D6-720FD0903317}"/>
+              </a:ext>
+            </a:extLst>
+          </p:cNvPr>
+          <p:cNvSpPr>
+            <a:spLocks noGrp="1"/>
+          </p:cNvSpPr>
+          <p:nvPr>
+            <p:ph type="title"/>
+          </p:nvPr>
+        </p:nvSpPr>
+        <p:spPr/>
+        <p:txBody>
+          <a:bodyPr/>
+          <a:lstStyle/>
+          <a:p>
+            <a:pPr lvl="0" marL="0" indent="0">
+              <a:buNone/>
+            </a:pPr>
+            <a:r>
+              <a:rPr/>
+              <a:t>Ray</a:t>
             </a:r>
             <a:r>
               <a:rPr/>
@@ -3788,7 +4893,7 @@
             </a:r>
             <a:r>
               <a:rPr/>
-              <a:t>Activity</a:t>
+              <a:t>Tracing</a:t>
             </a:r>
             <a:r>
               <a:rPr/>
@@ -3796,7 +4901,504 @@
             </a:r>
             <a:r>
               <a:rPr/>
-              <a:t>Worksheet</a:t>
+              <a:t>Pipeline</a:t>
+            </a:r>
+          </a:p>
+        </p:txBody>
+      </p:sp>
+    </p:spTree>
+  </p:cSld>
+</p:sld>
+</file>
+
+<file path=ppt/slides/slide6.xml><?xml version="1.0" encoding="utf-8"?>
+<p:sld xmlns:a="http://schemas.openxmlformats.org/drawingml/2006/main" xmlns:r="http://schemas.openxmlformats.org/officeDocument/2006/relationships" xmlns:p="http://schemas.openxmlformats.org/presentationml/2006/main">
+  <p:cSld>
+    <p:spTree>
+      <p:nvGrpSpPr>
+        <p:cNvPr id="1" name=""/>
+        <p:cNvGrpSpPr/>
+        <p:nvPr/>
+      </p:nvGrpSpPr>
+      <p:grpSpPr>
+        <a:xfrm>
+          <a:off x="0" y="0"/>
+          <a:ext cx="0" cy="0"/>
+          <a:chOff x="0" y="0"/>
+          <a:chExt cx="0" cy="0"/>
+        </a:xfrm>
+      </p:grpSpPr>
+      <p:pic>
+        <p:nvPicPr>
+          <p:cNvPr descr="images/ray-tracing-pipeline.png" id="0" name="Picture 1"/>
+          <p:cNvPicPr>
+            <a:picLocks noGrp="1" noChangeAspect="1"/>
+          </p:cNvPicPr>
+          <p:nvPr/>
+        </p:nvPicPr>
+        <p:blipFill>
+          <a:blip r:embed="rId2"/>
+          <a:stretch>
+            <a:fillRect/>
+          </a:stretch>
+        </p:blipFill>
+        <p:spPr bwMode="auto">
+          <a:xfrm>
+            <a:off x="838200" y="2222500"/>
+            <a:ext cx="10515600" cy="3022600"/>
+          </a:xfrm>
+          <a:prstGeom prst="rect">
+            <a:avLst/>
+          </a:prstGeom>
+          <a:noFill/>
+          <a:ln w="9525">
+            <a:noFill/>
+            <a:headEnd/>
+            <a:tailEnd/>
+          </a:ln>
+        </p:spPr>
+      </p:pic>
+      <p:sp>
+        <p:nvSpPr>
+          <p:cNvPr id="1" name="TextBox 3"/>
+          <p:cNvSpPr txBox="1"/>
+          <p:nvPr/>
+        </p:nvSpPr>
+        <p:spPr>
+          <a:xfrm>
+            <a:off x="838200" y="5651500"/>
+            <a:ext cx="10515600" cy="508000"/>
+          </a:xfrm>
+          <a:prstGeom prst="rect">
+            <a:avLst/>
+          </a:prstGeom>
+          <a:noFill/>
+        </p:spPr>
+        <p:txBody>
+          <a:bodyPr/>
+          <a:lstStyle/>
+          <a:p>
+            <a:pPr lvl="0" marL="0" indent="0" algn="ctr">
+              <a:buNone/>
+            </a:pPr>
+            <a:r>
+              <a:rPr/>
+              <a:t>Ray</a:t>
+            </a:r>
+            <a:r>
+              <a:rPr/>
+              <a:t> </a:t>
+            </a:r>
+            <a:r>
+              <a:rPr/>
+              <a:t>Tracing</a:t>
+            </a:r>
+            <a:r>
+              <a:rPr/>
+              <a:t> </a:t>
+            </a:r>
+            <a:r>
+              <a:rPr/>
+              <a:t>Pipeline</a:t>
+            </a:r>
+          </a:p>
+        </p:txBody>
+      </p:sp>
+    </p:spTree>
+  </p:cSld>
+</p:sld>
+</file>
+
+<file path=ppt/slides/slide7.xml><?xml version="1.0" encoding="utf-8"?>
+<p:sld xmlns:a="http://schemas.openxmlformats.org/drawingml/2006/main" xmlns:r="http://schemas.openxmlformats.org/officeDocument/2006/relationships" xmlns:p="http://schemas.openxmlformats.org/presentationml/2006/main">
+  <p:cSld>
+    <p:spTree>
+      <p:nvGrpSpPr>
+        <p:cNvPr id="1" name=""/>
+        <p:cNvGrpSpPr/>
+        <p:nvPr/>
+      </p:nvGrpSpPr>
+      <p:grpSpPr>
+        <a:xfrm>
+          <a:off x="0" y="0"/>
+          <a:ext cx="0" cy="0"/>
+          <a:chOff x="0" y="0"/>
+          <a:chExt cx="0" cy="0"/>
+        </a:xfrm>
+      </p:grpSpPr>
+      <p:sp>
+        <p:nvSpPr>
+          <p:cNvPr id="2" name="Title 1">
+            <a:extLst>
+              <a:ext uri="{FF2B5EF4-FFF2-40B4-BE49-F238E27FC236}">
+                <a16:creationId xmlns:a16="http://schemas.microsoft.com/office/drawing/2014/main" id="{B9171DC7-83DC-4812-B6D6-720FD0903317}"/>
+              </a:ext>
+            </a:extLst>
+          </p:cNvPr>
+          <p:cNvSpPr>
+            <a:spLocks noGrp="1"/>
+          </p:cNvSpPr>
+          <p:nvPr>
+            <p:ph type="title"/>
+          </p:nvPr>
+        </p:nvSpPr>
+        <p:spPr/>
+        <p:txBody>
+          <a:bodyPr/>
+          <a:lstStyle/>
+          <a:p>
+            <a:pPr lvl="0" marL="0" indent="0">
+              <a:buNone/>
+            </a:pPr>
+            <a:r>
+              <a:rPr/>
+              <a:t>Miss</a:t>
+            </a:r>
+            <a:r>
+              <a:rPr/>
+              <a:t> </a:t>
+            </a:r>
+            <a:r>
+              <a:rPr/>
+              <a:t>Shaders</a:t>
+            </a:r>
+          </a:p>
+        </p:txBody>
+      </p:sp>
+      <p:sp>
+        <p:nvSpPr>
+          <p:cNvPr id="3" name="Content Placeholder 2">
+            <a:extLst>
+              <a:ext uri="{FF2B5EF4-FFF2-40B4-BE49-F238E27FC236}">
+                <a16:creationId xmlns:a16="http://schemas.microsoft.com/office/drawing/2014/main" id="{E3951675-2757-4186-87D6-120677EA8D01}"/>
+              </a:ext>
+            </a:extLst>
+          </p:cNvPr>
+          <p:cNvSpPr>
+            <a:spLocks noGrp="1"/>
+          </p:cNvSpPr>
+          <p:nvPr>
+            <p:ph idx="1"/>
+          </p:nvPr>
+        </p:nvSpPr>
+        <p:spPr/>
+        <p:txBody>
+          <a:bodyPr/>
+          <a:lstStyle/>
+          <a:p>
+            <a:pPr lvl="1"/>
+            <a:r>
+              <a:rPr/>
+              <a:t>If we have no hits, we need to do something</a:t>
+            </a:r>
+          </a:p>
+          <a:p>
+            <a:pPr lvl="1"/>
+            <a:r>
+              <a:rPr/>
+              <a:t>A good candidate is a sky model</a:t>
+            </a:r>
+          </a:p>
+          <a:p>
+            <a:pPr lvl="1"/>
+            <a:r>
+              <a:rPr/>
+              <a:t>What about the ground?</a:t>
+            </a:r>
+          </a:p>
+        </p:txBody>
+      </p:sp>
+    </p:spTree>
+  </p:cSld>
+</p:sld>
+</file>
+
+<file path=ppt/slides/slide8.xml><?xml version="1.0" encoding="utf-8"?>
+<p:sld xmlns:a="http://schemas.openxmlformats.org/drawingml/2006/main" xmlns:r="http://schemas.openxmlformats.org/officeDocument/2006/relationships" xmlns:p="http://schemas.openxmlformats.org/presentationml/2006/main">
+  <p:cSld>
+    <p:spTree>
+      <p:nvGrpSpPr>
+        <p:cNvPr id="1" name=""/>
+        <p:cNvGrpSpPr/>
+        <p:nvPr/>
+      </p:nvGrpSpPr>
+      <p:grpSpPr>
+        <a:xfrm>
+          <a:off x="0" y="0"/>
+          <a:ext cx="0" cy="0"/>
+          <a:chOff x="0" y="0"/>
+          <a:chExt cx="0" cy="0"/>
+        </a:xfrm>
+      </p:grpSpPr>
+      <p:sp>
+        <p:nvSpPr>
+          <p:cNvPr id="2" name="Title 1">
+            <a:extLst>
+              <a:ext uri="{FF2B5EF4-FFF2-40B4-BE49-F238E27FC236}">
+                <a16:creationId xmlns:a16="http://schemas.microsoft.com/office/drawing/2014/main" id="{B9171DC7-83DC-4812-B6D6-720FD0903317}"/>
+              </a:ext>
+            </a:extLst>
+          </p:cNvPr>
+          <p:cNvSpPr>
+            <a:spLocks noGrp="1"/>
+          </p:cNvSpPr>
+          <p:nvPr>
+            <p:ph type="title"/>
+          </p:nvPr>
+        </p:nvSpPr>
+        <p:spPr/>
+        <p:txBody>
+          <a:bodyPr/>
+          <a:lstStyle/>
+          <a:p>
+            <a:pPr lvl="0" marL="0" indent="0">
+              <a:buNone/>
+            </a:pPr>
+            <a:r>
+              <a:rPr/>
+              <a:t>Sky</a:t>
+            </a:r>
+            <a:r>
+              <a:rPr/>
+              <a:t> </a:t>
+            </a:r>
+            <a:r>
+              <a:rPr/>
+              <a:t>Models</a:t>
+            </a:r>
+          </a:p>
+        </p:txBody>
+      </p:sp>
+      <p:sp>
+        <p:nvSpPr>
+          <p:cNvPr id="3" name="Content Placeholder 2">
+            <a:extLst>
+              <a:ext uri="{FF2B5EF4-FFF2-40B4-BE49-F238E27FC236}">
+                <a16:creationId xmlns:a16="http://schemas.microsoft.com/office/drawing/2014/main" id="{E3951675-2757-4186-87D6-120677EA8D01}"/>
+              </a:ext>
+            </a:extLst>
+          </p:cNvPr>
+          <p:cNvSpPr>
+            <a:spLocks noGrp="1"/>
+          </p:cNvSpPr>
+          <p:nvPr>
+            <p:ph idx="1"/>
+          </p:nvPr>
+        </p:nvSpPr>
+        <p:spPr/>
+        <p:txBody>
+          <a:bodyPr/>
+          <a:lstStyle/>
+          <a:p>
+            <a:pPr lvl="1"/>
+            <a:r>
+              <a:rPr/>
+              <a:t>CIE Clear Sky and Overcast Sky</a:t>
+            </a:r>
+          </a:p>
+          <a:p>
+            <a:pPr lvl="1"/>
+            <a:r>
+              <a:rPr>
+                <a:hlinkClick r:id="rId2"/>
+              </a:rPr>
+              <a:t>Preetham et al. (1999)</a:t>
+            </a:r>
+          </a:p>
+          <a:p>
+            <a:pPr lvl="1"/>
+            <a:r>
+              <a:rPr>
+                <a:hlinkClick r:id="rId3"/>
+              </a:rPr>
+              <a:t>Hosek-Wilkie (2012)</a:t>
+            </a:r>
+          </a:p>
+          <a:p>
+            <a:pPr lvl="1"/>
+            <a:r>
+              <a:rPr>
+                <a:hlinkClick r:id="rId4"/>
+              </a:rPr>
+              <a:t>Bruneton-Neyret (2008)</a:t>
+            </a:r>
+          </a:p>
+          <a:p>
+            <a:pPr lvl="1"/>
+            <a:r>
+              <a:rPr>
+                <a:hlinkClick r:id="rId5"/>
+              </a:rPr>
+              <a:t>DIHARAW’s port</a:t>
+            </a:r>
+          </a:p>
+        </p:txBody>
+      </p:sp>
+    </p:spTree>
+  </p:cSld>
+</p:sld>
+</file>
+
+<file path=ppt/slides/slide9.xml><?xml version="1.0" encoding="utf-8"?>
+<p:sld xmlns:a="http://schemas.openxmlformats.org/drawingml/2006/main" xmlns:r="http://schemas.openxmlformats.org/officeDocument/2006/relationships" xmlns:p="http://schemas.openxmlformats.org/presentationml/2006/main">
+  <p:cSld>
+    <p:spTree>
+      <p:nvGrpSpPr>
+        <p:cNvPr id="1" name=""/>
+        <p:cNvGrpSpPr/>
+        <p:nvPr/>
+      </p:nvGrpSpPr>
+      <p:grpSpPr>
+        <a:xfrm>
+          <a:off x="0" y="0"/>
+          <a:ext cx="0" cy="0"/>
+          <a:chOff x="0" y="0"/>
+          <a:chExt cx="0" cy="0"/>
+        </a:xfrm>
+      </p:grpSpPr>
+      <p:sp>
+        <p:nvSpPr>
+          <p:cNvPr id="2" name="Title 1">
+            <a:extLst>
+              <a:ext uri="{FF2B5EF4-FFF2-40B4-BE49-F238E27FC236}">
+                <a16:creationId xmlns:a16="http://schemas.microsoft.com/office/drawing/2014/main" id="{B9171DC7-83DC-4812-B6D6-720FD0903317}"/>
+              </a:ext>
+            </a:extLst>
+          </p:cNvPr>
+          <p:cNvSpPr>
+            <a:spLocks noGrp="1"/>
+          </p:cNvSpPr>
+          <p:nvPr>
+            <p:ph type="title"/>
+          </p:nvPr>
+        </p:nvSpPr>
+        <p:spPr/>
+        <p:txBody>
+          <a:bodyPr/>
+          <a:lstStyle/>
+          <a:p>
+            <a:pPr lvl="0" marL="0" indent="0">
+              <a:buNone/>
+            </a:pPr>
+            <a:r>
+              <a:rPr/>
+              <a:t>Sky</a:t>
+            </a:r>
+            <a:r>
+              <a:rPr/>
+              <a:t> </a:t>
+            </a:r>
+            <a:r>
+              <a:rPr/>
+              <a:t>Model</a:t>
+            </a:r>
+            <a:r>
+              <a:rPr/>
+              <a:t> </a:t>
+            </a:r>
+            <a:r>
+              <a:rPr/>
+              <a:t>Frame</a:t>
+            </a:r>
+            <a:r>
+              <a:rPr/>
+              <a:t> </a:t>
+            </a:r>
+            <a:r>
+              <a:rPr/>
+              <a:t>of</a:t>
+            </a:r>
+            <a:r>
+              <a:rPr/>
+              <a:t> </a:t>
+            </a:r>
+            <a:r>
+              <a:rPr/>
+              <a:t>Reference</a:t>
+            </a:r>
+          </a:p>
+        </p:txBody>
+      </p:sp>
+      <p:pic>
+        <p:nvPicPr>
+          <p:cNvPr descr="images/shirley-sunsky.png" id="0" name="Picture 1"/>
+          <p:cNvPicPr>
+            <a:picLocks noGrp="1" noChangeAspect="1"/>
+          </p:cNvPicPr>
+          <p:nvPr/>
+        </p:nvPicPr>
+        <p:blipFill>
+          <a:blip r:embed="rId2"/>
+          <a:stretch>
+            <a:fillRect/>
+          </a:stretch>
+        </p:blipFill>
+        <p:spPr bwMode="auto">
+          <a:xfrm>
+            <a:off x="3213100" y="1816100"/>
+            <a:ext cx="5753100" cy="3835400"/>
+          </a:xfrm>
+          <a:prstGeom prst="rect">
+            <a:avLst/>
+          </a:prstGeom>
+          <a:noFill/>
+          <a:ln w="9525">
+            <a:noFill/>
+            <a:headEnd/>
+            <a:tailEnd/>
+          </a:ln>
+        </p:spPr>
+      </p:pic>
+      <p:sp>
+        <p:nvSpPr>
+          <p:cNvPr id="1" name="TextBox 3"/>
+          <p:cNvSpPr txBox="1"/>
+          <p:nvPr/>
+        </p:nvSpPr>
+        <p:spPr>
+          <a:xfrm>
+            <a:off x="838200" y="5651500"/>
+            <a:ext cx="10515600" cy="508000"/>
+          </a:xfrm>
+          <a:prstGeom prst="rect">
+            <a:avLst/>
+          </a:prstGeom>
+          <a:noFill/>
+        </p:spPr>
+        <p:txBody>
+          <a:bodyPr/>
+          <a:lstStyle/>
+          <a:p>
+            <a:pPr lvl="0" marL="0" indent="0" algn="ctr">
+              <a:buNone/>
+            </a:pPr>
+            <a:r>
+              <a:rPr/>
+              <a:t>Preetham</a:t>
+            </a:r>
+            <a:r>
+              <a:rPr/>
+              <a:t> </a:t>
+            </a:r>
+            <a:r>
+              <a:rPr/>
+              <a:t>et</a:t>
+            </a:r>
+            <a:r>
+              <a:rPr/>
+              <a:t> </a:t>
+            </a:r>
+            <a:r>
+              <a:rPr/>
+              <a:t>al. Sun</a:t>
+            </a:r>
+            <a:r>
+              <a:rPr/>
+              <a:t> </a:t>
+            </a:r>
+            <a:r>
+              <a:rPr/>
+              <a:t>Sky</a:t>
             </a:r>
           </a:p>
         </p:txBody>

--- a/slides/pptx/week04.pptx
+++ b/slides/pptx/week04.pptx
@@ -21,6 +21,7 @@
     <p:sldId id="269" r:id="rId15"/>
     <p:sldId id="270" r:id="rId16"/>
     <p:sldId id="271" r:id="rId17"/>
+    <p:sldId id="272" r:id="rId18"/>
   </p:sldIdLst>
   <p:sldSz cx="12192000" cy="6858000"/>
   <p:notesSz cx="6858000" cy="9144000"/>
@@ -3629,15 +3630,7 @@
             </a:pPr>
             <a:r>
               <a:rPr/>
-              <a:t>Sky</a:t>
-            </a:r>
-            <a:r>
-              <a:rPr/>
-              <a:t> </a:t>
-            </a:r>
-            <a:r>
-              <a:rPr/>
-              <a:t>Model</a:t>
+              <a:t>Hosek-Wilkie</a:t>
             </a:r>
             <a:r>
               <a:rPr/>
@@ -3748,6 +3741,167 @@
 </file>
 
 <file path=ppt/slides/slide11.xml><?xml version="1.0" encoding="utf-8"?>
+<p:sld xmlns:a="http://schemas.openxmlformats.org/drawingml/2006/main" xmlns:r="http://schemas.openxmlformats.org/officeDocument/2006/relationships" xmlns:p="http://schemas.openxmlformats.org/presentationml/2006/main">
+  <p:cSld>
+    <p:spTree>
+      <p:nvGrpSpPr>
+        <p:cNvPr id="1" name=""/>
+        <p:cNvGrpSpPr/>
+        <p:nvPr/>
+      </p:nvGrpSpPr>
+      <p:grpSpPr>
+        <a:xfrm>
+          <a:off x="0" y="0"/>
+          <a:ext cx="0" cy="0"/>
+          <a:chOff x="0" y="0"/>
+          <a:chExt cx="0" cy="0"/>
+        </a:xfrm>
+      </p:grpSpPr>
+      <p:sp>
+        <p:nvSpPr>
+          <p:cNvPr id="2" name="Title 1">
+            <a:extLst>
+              <a:ext uri="{FF2B5EF4-FFF2-40B4-BE49-F238E27FC236}">
+                <a16:creationId xmlns:a16="http://schemas.microsoft.com/office/drawing/2014/main" id="{B9171DC7-83DC-4812-B6D6-720FD0903317}"/>
+              </a:ext>
+            </a:extLst>
+          </p:cNvPr>
+          <p:cNvSpPr>
+            <a:spLocks noGrp="1"/>
+          </p:cNvSpPr>
+          <p:nvPr>
+            <p:ph type="title"/>
+          </p:nvPr>
+        </p:nvSpPr>
+        <p:spPr/>
+        <p:txBody>
+          <a:bodyPr/>
+          <a:lstStyle/>
+          <a:p>
+            <a:pPr lvl="0" marL="0" indent="0">
+              <a:buNone/>
+            </a:pPr>
+            <a:r>
+              <a:rPr/>
+              <a:t>CIE</a:t>
+            </a:r>
+            <a:r>
+              <a:rPr/>
+              <a:t> </a:t>
+            </a:r>
+            <a:r>
+              <a:rPr/>
+              <a:t>Model</a:t>
+            </a:r>
+            <a:r>
+              <a:rPr/>
+              <a:t> </a:t>
+            </a:r>
+            <a:r>
+              <a:rPr/>
+              <a:t>Frame</a:t>
+            </a:r>
+            <a:r>
+              <a:rPr/>
+              <a:t> </a:t>
+            </a:r>
+            <a:r>
+              <a:rPr/>
+              <a:t>of</a:t>
+            </a:r>
+            <a:r>
+              <a:rPr/>
+              <a:t> </a:t>
+            </a:r>
+            <a:r>
+              <a:rPr/>
+              <a:t>Reference</a:t>
+            </a:r>
+          </a:p>
+        </p:txBody>
+      </p:sp>
+      <p:pic>
+        <p:nvPicPr>
+          <p:cNvPr descr="images/cie-sunsky.png" id="0" name="Picture 1"/>
+          <p:cNvPicPr>
+            <a:picLocks noGrp="1" noChangeAspect="1"/>
+          </p:cNvPicPr>
+          <p:nvPr/>
+        </p:nvPicPr>
+        <p:blipFill>
+          <a:blip r:embed="rId2"/>
+          <a:stretch>
+            <a:fillRect/>
+          </a:stretch>
+        </p:blipFill>
+        <p:spPr bwMode="auto">
+          <a:xfrm>
+            <a:off x="3302000" y="1816100"/>
+            <a:ext cx="5588000" cy="3835400"/>
+          </a:xfrm>
+          <a:prstGeom prst="rect">
+            <a:avLst/>
+          </a:prstGeom>
+          <a:noFill/>
+          <a:ln w="9525">
+            <a:noFill/>
+            <a:headEnd/>
+            <a:tailEnd/>
+          </a:ln>
+        </p:spPr>
+      </p:pic>
+      <p:sp>
+        <p:nvSpPr>
+          <p:cNvPr id="1" name="TextBox 3"/>
+          <p:cNvSpPr txBox="1"/>
+          <p:nvPr/>
+        </p:nvSpPr>
+        <p:spPr>
+          <a:xfrm>
+            <a:off x="838200" y="5651500"/>
+            <a:ext cx="10515600" cy="508000"/>
+          </a:xfrm>
+          <a:prstGeom prst="rect">
+            <a:avLst/>
+          </a:prstGeom>
+          <a:noFill/>
+        </p:spPr>
+        <p:txBody>
+          <a:bodyPr/>
+          <a:lstStyle/>
+          <a:p>
+            <a:pPr lvl="0" marL="0" indent="0" algn="ctr">
+              <a:buNone/>
+            </a:pPr>
+            <a:r>
+              <a:rPr/>
+              <a:t>CIE</a:t>
+            </a:r>
+            <a:r>
+              <a:rPr/>
+              <a:t> </a:t>
+            </a:r>
+            <a:r>
+              <a:rPr/>
+              <a:t>ISO</a:t>
+            </a:r>
+            <a:r>
+              <a:rPr/>
+              <a:t> </a:t>
+            </a:r>
+            <a:r>
+              <a:rPr/>
+              <a:t>15469:2004</a:t>
+            </a:r>
+          </a:p>
+        </p:txBody>
+      </p:sp>
+    </p:spTree>
+  </p:cSld>
+</p:sld>
+</file>
+
+<file path=ppt/slides/slide12.xml><?xml version="1.0" encoding="utf-8"?>
 <p:sld xmlns:a="http://schemas.openxmlformats.org/drawingml/2006/main" xmlns:r="http://schemas.openxmlformats.org/officeDocument/2006/relationships" xmlns:p="http://schemas.openxmlformats.org/presentationml/2006/main">
   <p:cSld>
     <p:spTree>
@@ -3886,7 +4040,7 @@
 </p:sld>
 </file>
 
-<file path=ppt/slides/slide12.xml><?xml version="1.0" encoding="utf-8"?>
+<file path=ppt/slides/slide13.xml><?xml version="1.0" encoding="utf-8"?>
 <p:sld xmlns:a="http://schemas.openxmlformats.org/drawingml/2006/main" xmlns:r="http://schemas.openxmlformats.org/officeDocument/2006/relationships" xmlns:p="http://schemas.openxmlformats.org/presentationml/2006/main">
   <p:cSld>
     <p:spTree>
@@ -4023,7 +4177,7 @@
 </p:sld>
 </file>
 
-<file path=ppt/slides/slide13.xml><?xml version="1.0" encoding="utf-8"?>
+<file path=ppt/slides/slide14.xml><?xml version="1.0" encoding="utf-8"?>
 <p:sld xmlns:a="http://schemas.openxmlformats.org/drawingml/2006/main" xmlns:r="http://schemas.openxmlformats.org/officeDocument/2006/relationships" xmlns:p="http://schemas.openxmlformats.org/presentationml/2006/main">
   <p:cSld>
     <p:spTree>
@@ -4144,122 +4298,6 @@
 </p:sld>
 </file>
 
-<file path=ppt/slides/slide14.xml><?xml version="1.0" encoding="utf-8"?>
-<p:sld xmlns:a="http://schemas.openxmlformats.org/drawingml/2006/main" xmlns:r="http://schemas.openxmlformats.org/officeDocument/2006/relationships" xmlns:p="http://schemas.openxmlformats.org/presentationml/2006/main">
-  <p:cSld>
-    <p:spTree>
-      <p:nvGrpSpPr>
-        <p:cNvPr id="1" name=""/>
-        <p:cNvGrpSpPr/>
-        <p:nvPr/>
-      </p:nvGrpSpPr>
-      <p:grpSpPr>
-        <a:xfrm>
-          <a:off x="0" y="0"/>
-          <a:ext cx="0" cy="0"/>
-          <a:chOff x="0" y="0"/>
-          <a:chExt cx="0" cy="0"/>
-        </a:xfrm>
-      </p:grpSpPr>
-      <p:sp>
-        <p:nvSpPr>
-          <p:cNvPr id="2" name="Title 1">
-            <a:extLst>
-              <a:ext uri="{FF2B5EF4-FFF2-40B4-BE49-F238E27FC236}">
-                <a16:creationId xmlns:a16="http://schemas.microsoft.com/office/drawing/2014/main" id="{B9171DC7-83DC-4812-B6D6-720FD0903317}"/>
-              </a:ext>
-            </a:extLst>
-          </p:cNvPr>
-          <p:cNvSpPr>
-            <a:spLocks noGrp="1"/>
-          </p:cNvSpPr>
-          <p:nvPr>
-            <p:ph type="title"/>
-          </p:nvPr>
-        </p:nvSpPr>
-        <p:spPr/>
-        <p:txBody>
-          <a:bodyPr/>
-          <a:lstStyle/>
-          <a:p>
-            <a:pPr lvl="0" marL="0" indent="0">
-              <a:buNone/>
-            </a:pPr>
-            <a:r>
-              <a:rPr/>
-              <a:t>Astronomical</a:t>
-            </a:r>
-            <a:r>
-              <a:rPr/>
-              <a:t> </a:t>
-            </a:r>
-            <a:r>
-              <a:rPr/>
-              <a:t>Calculations</a:t>
-            </a:r>
-          </a:p>
-        </p:txBody>
-      </p:sp>
-      <p:sp>
-        <p:nvSpPr>
-          <p:cNvPr id="3" name="Content Placeholder 2">
-            <a:extLst>
-              <a:ext uri="{FF2B5EF4-FFF2-40B4-BE49-F238E27FC236}">
-                <a16:creationId xmlns:a16="http://schemas.microsoft.com/office/drawing/2014/main" id="{E3951675-2757-4186-87D6-120677EA8D01}"/>
-              </a:ext>
-            </a:extLst>
-          </p:cNvPr>
-          <p:cNvSpPr>
-            <a:spLocks noGrp="1"/>
-          </p:cNvSpPr>
-          <p:nvPr>
-            <p:ph idx="1"/>
-          </p:nvPr>
-        </p:nvSpPr>
-        <p:spPr/>
-        <p:txBody>
-          <a:bodyPr/>
-          <a:lstStyle/>
-          <a:p>
-            <a:pPr lvl="1"/>
-            <a:r>
-              <a:rPr/>
-              <a:t>Video: </a:t>
-            </a:r>
-            <a:r>
-              <a:rPr>
-                <a:hlinkClick r:id="rId2"/>
-              </a:rPr>
-              <a:t>Carla’s Island (1981)</a:t>
-            </a:r>
-          </a:p>
-          <a:p>
-            <a:pPr lvl="1"/>
-            <a:r>
-              <a:rPr/>
-              <a:t>Video: </a:t>
-            </a:r>
-            <a:r>
-              <a:rPr>
-                <a:hlinkClick r:id="rId3"/>
-              </a:rPr>
-              <a:t>NASA Voyager 2 Flyby (1981)</a:t>
-            </a:r>
-          </a:p>
-          <a:p>
-            <a:pPr lvl="1"/>
-            <a:r>
-              <a:rPr/>
-              <a:t>Use astronomical calculations to determine animation parameters</a:t>
-            </a:r>
-          </a:p>
-        </p:txBody>
-      </p:sp>
-    </p:spTree>
-  </p:cSld>
-</p:sld>
-</file>
-
 <file path=ppt/slides/slide15.xml><?xml version="1.0" encoding="utf-8"?>
 <p:sld xmlns:a="http://schemas.openxmlformats.org/drawingml/2006/main" xmlns:r="http://schemas.openxmlformats.org/officeDocument/2006/relationships" xmlns:p="http://schemas.openxmlformats.org/presentationml/2006/main">
   <p:cSld>
@@ -4303,7 +4341,15 @@
             </a:pPr>
             <a:r>
               <a:rPr/>
-              <a:t>Implementation</a:t>
+              <a:t>Astronomical</a:t>
+            </a:r>
+            <a:r>
+              <a:rPr/>
+              <a:t> </a:t>
+            </a:r>
+            <a:r>
+              <a:rPr/>
+              <a:t>Calculations</a:t>
             </a:r>
           </a:p>
         </p:txBody>
@@ -4332,7 +4378,33 @@
             <a:pPr lvl="1"/>
             <a:r>
               <a:rPr/>
-              <a:t>Example 6</a:t>
+              <a:t>Video: </a:t>
+            </a:r>
+            <a:r>
+              <a:rPr>
+                <a:hlinkClick r:id="rId2"/>
+              </a:rPr>
+              <a:t>Carla’s Island (1981)</a:t>
+            </a:r>
+          </a:p>
+          <a:p>
+            <a:pPr lvl="1"/>
+            <a:r>
+              <a:rPr/>
+              <a:t>Video: </a:t>
+            </a:r>
+            <a:r>
+              <a:rPr>
+                <a:hlinkClick r:id="rId3"/>
+              </a:rPr>
+              <a:t>NASA Voyager 2 Flyby (1981)</a:t>
+            </a:r>
+          </a:p>
+          <a:p>
+            <a:pPr lvl="1"/>
+            <a:r>
+              <a:rPr/>
+              <a:t>Use astronomical calculations to determine animation parameters</a:t>
             </a:r>
           </a:p>
         </p:txBody>
@@ -4343,6 +4415,88 @@
 </file>
 
 <file path=ppt/slides/slide16.xml><?xml version="1.0" encoding="utf-8"?>
+<p:sld xmlns:a="http://schemas.openxmlformats.org/drawingml/2006/main" xmlns:r="http://schemas.openxmlformats.org/officeDocument/2006/relationships" xmlns:p="http://schemas.openxmlformats.org/presentationml/2006/main">
+  <p:cSld>
+    <p:spTree>
+      <p:nvGrpSpPr>
+        <p:cNvPr id="1" name=""/>
+        <p:cNvGrpSpPr/>
+        <p:nvPr/>
+      </p:nvGrpSpPr>
+      <p:grpSpPr>
+        <a:xfrm>
+          <a:off x="0" y="0"/>
+          <a:ext cx="0" cy="0"/>
+          <a:chOff x="0" y="0"/>
+          <a:chExt cx="0" cy="0"/>
+        </a:xfrm>
+      </p:grpSpPr>
+      <p:sp>
+        <p:nvSpPr>
+          <p:cNvPr id="2" name="Title 1">
+            <a:extLst>
+              <a:ext uri="{FF2B5EF4-FFF2-40B4-BE49-F238E27FC236}">
+                <a16:creationId xmlns:a16="http://schemas.microsoft.com/office/drawing/2014/main" id="{B9171DC7-83DC-4812-B6D6-720FD0903317}"/>
+              </a:ext>
+            </a:extLst>
+          </p:cNvPr>
+          <p:cNvSpPr>
+            <a:spLocks noGrp="1"/>
+          </p:cNvSpPr>
+          <p:nvPr>
+            <p:ph type="title"/>
+          </p:nvPr>
+        </p:nvSpPr>
+        <p:spPr/>
+        <p:txBody>
+          <a:bodyPr/>
+          <a:lstStyle/>
+          <a:p>
+            <a:pPr lvl="0" marL="0" indent="0">
+              <a:buNone/>
+            </a:pPr>
+            <a:r>
+              <a:rPr/>
+              <a:t>Implementation</a:t>
+            </a:r>
+          </a:p>
+        </p:txBody>
+      </p:sp>
+      <p:sp>
+        <p:nvSpPr>
+          <p:cNvPr id="3" name="Content Placeholder 2">
+            <a:extLst>
+              <a:ext uri="{FF2B5EF4-FFF2-40B4-BE49-F238E27FC236}">
+                <a16:creationId xmlns:a16="http://schemas.microsoft.com/office/drawing/2014/main" id="{E3951675-2757-4186-87D6-120677EA8D01}"/>
+              </a:ext>
+            </a:extLst>
+          </p:cNvPr>
+          <p:cNvSpPr>
+            <a:spLocks noGrp="1"/>
+          </p:cNvSpPr>
+          <p:nvPr>
+            <p:ph idx="1"/>
+          </p:nvPr>
+        </p:nvSpPr>
+        <p:spPr/>
+        <p:txBody>
+          <a:bodyPr/>
+          <a:lstStyle/>
+          <a:p>
+            <a:pPr lvl="1"/>
+            <a:r>
+              <a:rPr/>
+              <a:t>Example 6</a:t>
+            </a:r>
+          </a:p>
+        </p:txBody>
+      </p:sp>
+    </p:spTree>
+  </p:cSld>
+</p:sld>
+</file>
+
+<file path=ppt/slides/slide17.xml><?xml version="1.0" encoding="utf-8"?>
 <p:sld xmlns:a="http://schemas.openxmlformats.org/drawingml/2006/main" xmlns:r="http://schemas.openxmlformats.org/officeDocument/2006/relationships" xmlns:p="http://schemas.openxmlformats.org/presentationml/2006/main">
   <p:cSld>
     <p:spTree>
@@ -5282,7 +5436,7 @@
             </a:pPr>
             <a:r>
               <a:rPr/>
-              <a:t>Sky</a:t>
+              <a:t>Preetham</a:t>
             </a:r>
             <a:r>
               <a:rPr/>
@@ -5290,7 +5444,15 @@
             </a:r>
             <a:r>
               <a:rPr/>
-              <a:t>Model</a:t>
+              <a:t>et</a:t>
+            </a:r>
+            <a:r>
+              <a:rPr/>
+              <a:t> </a:t>
+            </a:r>
+            <a:r>
+              <a:rPr/>
+              <a:t>al</a:t>
             </a:r>
             <a:r>
               <a:rPr/>

--- a/slides/pptx/week04.pptx
+++ b/slides/pptx/week04.pptx
@@ -290,7 +290,7 @@
           <a:p>
             <a:fld id="{241EB5C9-1307-BA42-ABA2-0BC069CD8E7F}" type="datetimeFigureOut">
               <a:rPr lang="en-US" smtClean="0"/>
-              <a:t>1/19/2019</a:t>
+              <a:t>2/19/2019</a:t>
             </a:fld>
             <a:endParaRPr lang="en-US"/>
           </a:p>
@@ -488,7 +488,7 @@
           <a:p>
             <a:fld id="{241EB5C9-1307-BA42-ABA2-0BC069CD8E7F}" type="datetimeFigureOut">
               <a:rPr lang="en-US" smtClean="0"/>
-              <a:t>1/19/2019</a:t>
+              <a:t>2/19/2019</a:t>
             </a:fld>
             <a:endParaRPr lang="en-US"/>
           </a:p>
@@ -696,7 +696,7 @@
           <a:p>
             <a:fld id="{241EB5C9-1307-BA42-ABA2-0BC069CD8E7F}" type="datetimeFigureOut">
               <a:rPr lang="en-US" smtClean="0"/>
-              <a:t>1/19/2019</a:t>
+              <a:t>2/19/2019</a:t>
             </a:fld>
             <a:endParaRPr lang="en-US"/>
           </a:p>
@@ -894,7 +894,7 @@
           <a:p>
             <a:fld id="{241EB5C9-1307-BA42-ABA2-0BC069CD8E7F}" type="datetimeFigureOut">
               <a:rPr lang="en-US" smtClean="0"/>
-              <a:t>1/19/2019</a:t>
+              <a:t>2/19/2019</a:t>
             </a:fld>
             <a:endParaRPr lang="en-US"/>
           </a:p>
@@ -1171,7 +1171,7 @@
           <a:p>
             <a:fld id="{241EB5C9-1307-BA42-ABA2-0BC069CD8E7F}" type="datetimeFigureOut">
               <a:rPr lang="en-US" smtClean="0"/>
-              <a:t>1/19/2019</a:t>
+              <a:t>2/19/2019</a:t>
             </a:fld>
             <a:endParaRPr lang="en-US"/>
           </a:p>
@@ -1436,7 +1436,7 @@
           <a:p>
             <a:fld id="{241EB5C9-1307-BA42-ABA2-0BC069CD8E7F}" type="datetimeFigureOut">
               <a:rPr lang="en-US" smtClean="0"/>
-              <a:t>1/19/2019</a:t>
+              <a:t>2/19/2019</a:t>
             </a:fld>
             <a:endParaRPr lang="en-US"/>
           </a:p>
@@ -1848,7 +1848,7 @@
           <a:p>
             <a:fld id="{241EB5C9-1307-BA42-ABA2-0BC069CD8E7F}" type="datetimeFigureOut">
               <a:rPr lang="en-US" smtClean="0"/>
-              <a:t>1/19/2019</a:t>
+              <a:t>2/19/2019</a:t>
             </a:fld>
             <a:endParaRPr lang="en-US"/>
           </a:p>
@@ -1989,7 +1989,7 @@
           <a:p>
             <a:fld id="{241EB5C9-1307-BA42-ABA2-0BC069CD8E7F}" type="datetimeFigureOut">
               <a:rPr lang="en-US" smtClean="0"/>
-              <a:t>1/19/2019</a:t>
+              <a:t>2/19/2019</a:t>
             </a:fld>
             <a:endParaRPr lang="en-US"/>
           </a:p>
@@ -2102,7 +2102,7 @@
           <a:p>
             <a:fld id="{241EB5C9-1307-BA42-ABA2-0BC069CD8E7F}" type="datetimeFigureOut">
               <a:rPr lang="en-US" smtClean="0"/>
-              <a:t>1/19/2019</a:t>
+              <a:t>2/19/2019</a:t>
             </a:fld>
             <a:endParaRPr lang="en-US"/>
           </a:p>
@@ -2413,7 +2413,7 @@
           <a:p>
             <a:fld id="{241EB5C9-1307-BA42-ABA2-0BC069CD8E7F}" type="datetimeFigureOut">
               <a:rPr lang="en-US" smtClean="0"/>
-              <a:t>1/19/2019</a:t>
+              <a:t>2/19/2019</a:t>
             </a:fld>
             <a:endParaRPr lang="en-US"/>
           </a:p>
@@ -2701,7 +2701,7 @@
           <a:p>
             <a:fld id="{241EB5C9-1307-BA42-ABA2-0BC069CD8E7F}" type="datetimeFigureOut">
               <a:rPr lang="en-US" smtClean="0"/>
-              <a:t>1/19/2019</a:t>
+              <a:t>2/19/2019</a:t>
             </a:fld>
             <a:endParaRPr lang="en-US"/>
           </a:p>
@@ -2867,35 +2867,35 @@
           <a:p>
             <a:pPr lvl="0"/>
             <a:r>
-              <a:rPr lang="en-US"/>
+              <a:rPr lang="en-US" dirty="0"/>
               <a:t>Edit Master text styles</a:t>
             </a:r>
           </a:p>
           <a:p>
             <a:pPr lvl="1"/>
             <a:r>
-              <a:rPr lang="en-US"/>
+              <a:rPr lang="en-US" dirty="0"/>
               <a:t>Second level</a:t>
             </a:r>
           </a:p>
           <a:p>
             <a:pPr lvl="2"/>
             <a:r>
-              <a:rPr lang="en-US"/>
+              <a:rPr lang="en-US" dirty="0"/>
               <a:t>Third level</a:t>
             </a:r>
           </a:p>
           <a:p>
             <a:pPr lvl="3"/>
             <a:r>
-              <a:rPr lang="en-US"/>
+              <a:rPr lang="en-US" dirty="0"/>
               <a:t>Fourth level</a:t>
             </a:r>
           </a:p>
           <a:p>
             <a:pPr lvl="4"/>
             <a:r>
-              <a:rPr lang="en-US"/>
+              <a:rPr lang="en-US" dirty="0"/>
               <a:t>Fifth level</a:t>
             </a:r>
           </a:p>
@@ -2942,7 +2942,7 @@
           <a:p>
             <a:fld id="{241EB5C9-1307-BA42-ABA2-0BC069CD8E7F}" type="datetimeFigureOut">
               <a:rPr lang="en-US" smtClean="0"/>
-              <a:t>1/19/2019</a:t>
+              <a:t>2/19/2019</a:t>
             </a:fld>
             <a:endParaRPr lang="en-US"/>
           </a:p>
@@ -3099,7 +3099,7 @@
           <a:spcPct val="0"/>
         </a:spcBef>
         <a:buNone/>
-        <a:defRPr sz="5600" b="1" kern="1200">
+        <a:defRPr sz="4400" b="1" kern="1200">
           <a:solidFill>
             <a:schemeClr val="tx1"/>
           </a:solidFill>
